--- a/Clase 3.pptx
+++ b/Clase 3.pptx
@@ -23,7 +23,11 @@
     <p:sldId id="279" r:id="rId17"/>
     <p:sldId id="263" r:id="rId18"/>
     <p:sldId id="276" r:id="rId19"/>
-    <p:sldId id="269" r:id="rId20"/>
+    <p:sldId id="280" r:id="rId20"/>
+    <p:sldId id="281" r:id="rId21"/>
+    <p:sldId id="282" r:id="rId22"/>
+    <p:sldId id="283" r:id="rId23"/>
+    <p:sldId id="269" r:id="rId24"/>
   </p:sldIdLst>
   <p:sldSz cx="12192000" cy="6858000"/>
   <p:notesSz cx="6858000" cy="9144000"/>
@@ -277,7 +281,7 @@
           <a:p>
             <a:fld id="{868EE082-CC84-42F1-B1A9-5FF676D34F73}" type="datetimeFigureOut">
               <a:rPr lang="es-ES" smtClean="0"/>
-              <a:t>19/08/2025</a:t>
+              <a:t>20/08/2025</a:t>
             </a:fld>
             <a:endParaRPr lang="es-ES"/>
           </a:p>
@@ -475,7 +479,7 @@
           <a:p>
             <a:fld id="{868EE082-CC84-42F1-B1A9-5FF676D34F73}" type="datetimeFigureOut">
               <a:rPr lang="es-ES" smtClean="0"/>
-              <a:t>19/08/2025</a:t>
+              <a:t>20/08/2025</a:t>
             </a:fld>
             <a:endParaRPr lang="es-ES"/>
           </a:p>
@@ -683,7 +687,7 @@
           <a:p>
             <a:fld id="{868EE082-CC84-42F1-B1A9-5FF676D34F73}" type="datetimeFigureOut">
               <a:rPr lang="es-ES" smtClean="0"/>
-              <a:t>19/08/2025</a:t>
+              <a:t>20/08/2025</a:t>
             </a:fld>
             <a:endParaRPr lang="es-ES"/>
           </a:p>
@@ -881,7 +885,7 @@
           <a:p>
             <a:fld id="{868EE082-CC84-42F1-B1A9-5FF676D34F73}" type="datetimeFigureOut">
               <a:rPr lang="es-ES" smtClean="0"/>
-              <a:t>19/08/2025</a:t>
+              <a:t>20/08/2025</a:t>
             </a:fld>
             <a:endParaRPr lang="es-ES"/>
           </a:p>
@@ -1156,7 +1160,7 @@
           <a:p>
             <a:fld id="{868EE082-CC84-42F1-B1A9-5FF676D34F73}" type="datetimeFigureOut">
               <a:rPr lang="es-ES" smtClean="0"/>
-              <a:t>19/08/2025</a:t>
+              <a:t>20/08/2025</a:t>
             </a:fld>
             <a:endParaRPr lang="es-ES"/>
           </a:p>
@@ -1421,7 +1425,7 @@
           <a:p>
             <a:fld id="{868EE082-CC84-42F1-B1A9-5FF676D34F73}" type="datetimeFigureOut">
               <a:rPr lang="es-ES" smtClean="0"/>
-              <a:t>19/08/2025</a:t>
+              <a:t>20/08/2025</a:t>
             </a:fld>
             <a:endParaRPr lang="es-ES"/>
           </a:p>
@@ -1833,7 +1837,7 @@
           <a:p>
             <a:fld id="{868EE082-CC84-42F1-B1A9-5FF676D34F73}" type="datetimeFigureOut">
               <a:rPr lang="es-ES" smtClean="0"/>
-              <a:t>19/08/2025</a:t>
+              <a:t>20/08/2025</a:t>
             </a:fld>
             <a:endParaRPr lang="es-ES"/>
           </a:p>
@@ -1974,7 +1978,7 @@
           <a:p>
             <a:fld id="{868EE082-CC84-42F1-B1A9-5FF676D34F73}" type="datetimeFigureOut">
               <a:rPr lang="es-ES" smtClean="0"/>
-              <a:t>19/08/2025</a:t>
+              <a:t>20/08/2025</a:t>
             </a:fld>
             <a:endParaRPr lang="es-ES"/>
           </a:p>
@@ -2087,7 +2091,7 @@
           <a:p>
             <a:fld id="{868EE082-CC84-42F1-B1A9-5FF676D34F73}" type="datetimeFigureOut">
               <a:rPr lang="es-ES" smtClean="0"/>
-              <a:t>19/08/2025</a:t>
+              <a:t>20/08/2025</a:t>
             </a:fld>
             <a:endParaRPr lang="es-ES"/>
           </a:p>
@@ -2398,7 +2402,7 @@
           <a:p>
             <a:fld id="{868EE082-CC84-42F1-B1A9-5FF676D34F73}" type="datetimeFigureOut">
               <a:rPr lang="es-ES" smtClean="0"/>
-              <a:t>19/08/2025</a:t>
+              <a:t>20/08/2025</a:t>
             </a:fld>
             <a:endParaRPr lang="es-ES"/>
           </a:p>
@@ -2686,7 +2690,7 @@
           <a:p>
             <a:fld id="{868EE082-CC84-42F1-B1A9-5FF676D34F73}" type="datetimeFigureOut">
               <a:rPr lang="es-ES" smtClean="0"/>
-              <a:t>19/08/2025</a:t>
+              <a:t>20/08/2025</a:t>
             </a:fld>
             <a:endParaRPr lang="es-ES"/>
           </a:p>
@@ -2927,7 +2931,7 @@
           <a:p>
             <a:fld id="{868EE082-CC84-42F1-B1A9-5FF676D34F73}" type="datetimeFigureOut">
               <a:rPr lang="es-ES" smtClean="0"/>
-              <a:t>19/08/2025</a:t>
+              <a:t>20/08/2025</a:t>
             </a:fld>
             <a:endParaRPr lang="es-ES"/>
           </a:p>
@@ -6692,7 +6696,7 @@
         <p:cNvPr id="1" name="">
           <a:extLst>
             <a:ext uri="{FF2B5EF4-FFF2-40B4-BE49-F238E27FC236}">
-              <a16:creationId xmlns:a16="http://schemas.microsoft.com/office/drawing/2014/main" id="{4A2C18DC-3924-620C-B2BD-382D1155B294}"/>
+              <a16:creationId xmlns:a16="http://schemas.microsoft.com/office/drawing/2014/main" id="{08BB0D06-739A-5AD5-9E97-ECE80745F1AB}"/>
             </a:ext>
           </a:extLst>
         </p:cNvPr>
@@ -6712,7 +6716,7 @@
           <p:cNvPr id="5" name="Imagen 4">
             <a:extLst>
               <a:ext uri="{FF2B5EF4-FFF2-40B4-BE49-F238E27FC236}">
-                <a16:creationId xmlns:a16="http://schemas.microsoft.com/office/drawing/2014/main" id="{2EE73F48-DA97-8667-0330-1AD06609C70A}"/>
+                <a16:creationId xmlns:a16="http://schemas.microsoft.com/office/drawing/2014/main" id="{AF16A87C-3DC0-2777-6224-BA703758D0F7}"/>
               </a:ext>
             </a:extLst>
           </p:cNvPr>
@@ -6744,7 +6748,7 @@
           <p:cNvPr id="2" name="Título 1">
             <a:extLst>
               <a:ext uri="{FF2B5EF4-FFF2-40B4-BE49-F238E27FC236}">
-                <a16:creationId xmlns:a16="http://schemas.microsoft.com/office/drawing/2014/main" id="{D44FC48B-0FDB-FB1A-9FD2-B20A29EB05A8}"/>
+                <a16:creationId xmlns:a16="http://schemas.microsoft.com/office/drawing/2014/main" id="{FCBBC8B7-B684-33C7-77F7-E53C3F661525}"/>
               </a:ext>
             </a:extLst>
           </p:cNvPr>
@@ -6755,26 +6759,133 @@
             <p:ph type="title"/>
           </p:nvPr>
         </p:nvSpPr>
-        <p:spPr>
-          <a:xfrm>
-            <a:off x="2703576" y="2326876"/>
-            <a:ext cx="5879592" cy="1325563"/>
-          </a:xfrm>
-        </p:spPr>
+        <p:spPr/>
+        <p:txBody>
+          <a:bodyPr/>
+          <a:lstStyle/>
+          <a:p>
+            <a:r>
+              <a:rPr lang="es-ES" b="1" dirty="0"/>
+              <a:t>Diferencia entre .</a:t>
+            </a:r>
+            <a:r>
+              <a:rPr lang="es-ES" b="1" dirty="0" err="1"/>
+              <a:t>map</a:t>
+            </a:r>
+            <a:r>
+              <a:rPr lang="es-ES" b="1" dirty="0"/>
+              <a:t> y .</a:t>
+            </a:r>
+            <a:r>
+              <a:rPr lang="es-ES" b="1" dirty="0" err="1"/>
+              <a:t>filter</a:t>
+            </a:r>
+            <a:endParaRPr lang="es-ES" b="1" dirty="0">
+              <a:effectLst/>
+            </a:endParaRPr>
+          </a:p>
+        </p:txBody>
+      </p:sp>
+      <p:sp>
+        <p:nvSpPr>
+          <p:cNvPr id="3" name="Marcador de contenido 2">
+            <a:extLst>
+              <a:ext uri="{FF2B5EF4-FFF2-40B4-BE49-F238E27FC236}">
+                <a16:creationId xmlns:a16="http://schemas.microsoft.com/office/drawing/2014/main" id="{6C2CD9C6-5F97-3233-D72A-4DEC4383B549}"/>
+              </a:ext>
+            </a:extLst>
+          </p:cNvPr>
+          <p:cNvSpPr>
+            <a:spLocks noGrp="1"/>
+          </p:cNvSpPr>
+          <p:nvPr>
+            <p:ph idx="1"/>
+          </p:nvPr>
+        </p:nvSpPr>
+        <p:spPr/>
         <p:txBody>
           <a:bodyPr>
-            <a:noAutofit/>
+            <a:normAutofit/>
           </a:bodyPr>
           <a:lstStyle/>
           <a:p>
             <a:r>
-              <a:rPr lang="es-ES" sz="9600" b="1" dirty="0"/>
-              <a:t>G</a:t>
-            </a:r>
-            <a:r>
-              <a:rPr lang="en-US" sz="9600" b="1" dirty="0"/>
-              <a:t>RACIAS</a:t>
-            </a:r>
+              <a:rPr lang="es-ES" b="1" dirty="0"/>
+              <a:t>.</a:t>
+            </a:r>
+            <a:r>
+              <a:rPr lang="es-ES" b="1" dirty="0" err="1"/>
+              <a:t>map</a:t>
+            </a:r>
+            <a:r>
+              <a:rPr lang="es-ES" dirty="0"/>
+              <a:t>: </a:t>
+            </a:r>
+            <a:r>
+              <a:rPr lang="es-ES" b="1" dirty="0"/>
+              <a:t>Qué hace</a:t>
+            </a:r>
+            <a:r>
+              <a:rPr lang="es-ES" dirty="0"/>
+              <a:t>: Transforma cada elemento de un array y devuelve un </a:t>
+            </a:r>
+            <a:r>
+              <a:rPr lang="es-ES" b="1" dirty="0"/>
+              <a:t>nuevo array</a:t>
+            </a:r>
+            <a:r>
+              <a:rPr lang="es-ES" dirty="0"/>
+              <a:t> con la misma longitud que el original, pero con los elementos modificados según una función proporcionada.</a:t>
+            </a:r>
+          </a:p>
+          <a:p>
+            <a:r>
+              <a:rPr lang="es-ES" b="1" dirty="0"/>
+              <a:t>Cuándo usarlo</a:t>
+            </a:r>
+            <a:r>
+              <a:rPr lang="es-ES" dirty="0"/>
+              <a:t>: Cuando quieres </a:t>
+            </a:r>
+            <a:r>
+              <a:rPr lang="es-ES" b="1" dirty="0"/>
+              <a:t>crear un nuevo array</a:t>
+            </a:r>
+            <a:r>
+              <a:rPr lang="es-ES" dirty="0"/>
+              <a:t> basado en el original, aplicando una transformación a cada elemento (por ejemplo, renderizar componentes en </a:t>
+            </a:r>
+            <a:r>
+              <a:rPr lang="es-ES" dirty="0" err="1"/>
+              <a:t>React</a:t>
+            </a:r>
+            <a:r>
+              <a:rPr lang="es-ES" dirty="0"/>
+              <a:t> o modificar datos).</a:t>
+            </a:r>
+          </a:p>
+          <a:p>
+            <a:r>
+              <a:rPr lang="es-ES" b="1" dirty="0"/>
+              <a:t>No modifica</a:t>
+            </a:r>
+            <a:r>
+              <a:rPr lang="es-ES" dirty="0"/>
+              <a:t>: El array original permanece intacto.</a:t>
+            </a:r>
+          </a:p>
+          <a:p>
+            <a:r>
+              <a:rPr lang="es-ES" b="1" dirty="0"/>
+              <a:t>Resultado</a:t>
+            </a:r>
+            <a:r>
+              <a:rPr lang="es-ES" dirty="0"/>
+              <a:t>: Un nuevo array con la misma cantidad de elementos.</a:t>
+            </a:r>
+          </a:p>
+          <a:p>
+            <a:endParaRPr lang="en-US" dirty="0"/>
           </a:p>
         </p:txBody>
       </p:sp>
@@ -6783,7 +6894,7 @@
           <p:cNvPr id="4" name="Imagen 3" descr="Logotipo&#10;&#10;Descripción generada automáticamente">
             <a:extLst>
               <a:ext uri="{FF2B5EF4-FFF2-40B4-BE49-F238E27FC236}">
-                <a16:creationId xmlns:a16="http://schemas.microsoft.com/office/drawing/2014/main" id="{DEB058E6-F012-5BEB-130D-53B504BB1632}"/>
+                <a16:creationId xmlns:a16="http://schemas.microsoft.com/office/drawing/2014/main" id="{02777EEE-5A06-69AA-A2C4-1138EE781ECE}"/>
               </a:ext>
             </a:extLst>
           </p:cNvPr>
@@ -6819,7 +6930,7 @@
           <p:cNvPr id="6" name="CuadroTexto 5">
             <a:extLst>
               <a:ext uri="{FF2B5EF4-FFF2-40B4-BE49-F238E27FC236}">
-                <a16:creationId xmlns:a16="http://schemas.microsoft.com/office/drawing/2014/main" id="{CBCEE3A9-8D6D-3420-2A31-B71F966CAFFC}"/>
+                <a16:creationId xmlns:a16="http://schemas.microsoft.com/office/drawing/2014/main" id="{0521066F-F613-2722-11A7-781BCDA2FBD3}"/>
               </a:ext>
             </a:extLst>
           </p:cNvPr>
@@ -6879,7 +6990,7 @@
     </p:spTree>
     <p:extLst>
       <p:ext uri="{BB962C8B-B14F-4D97-AF65-F5344CB8AC3E}">
-        <p14:creationId xmlns:p14="http://schemas.microsoft.com/office/powerpoint/2010/main" val="1856096924"/>
+        <p14:creationId xmlns:p14="http://schemas.microsoft.com/office/powerpoint/2010/main" val="1461021955"/>
       </p:ext>
     </p:extLst>
   </p:cSld>
@@ -7177,6 +7288,1425 @@
     <p:extLst>
       <p:ext uri="{BB962C8B-B14F-4D97-AF65-F5344CB8AC3E}">
         <p14:creationId xmlns:p14="http://schemas.microsoft.com/office/powerpoint/2010/main" val="3549948451"/>
+      </p:ext>
+    </p:extLst>
+  </p:cSld>
+  <p:clrMapOvr>
+    <a:masterClrMapping/>
+  </p:clrMapOvr>
+</p:sld>
+</file>
+
+<file path=ppt/slides/slide20.xml><?xml version="1.0" encoding="utf-8"?>
+<p:sld xmlns:a="http://schemas.openxmlformats.org/drawingml/2006/main" xmlns:r="http://schemas.openxmlformats.org/officeDocument/2006/relationships" xmlns:p="http://schemas.openxmlformats.org/presentationml/2006/main">
+  <p:cSld>
+    <p:spTree>
+      <p:nvGrpSpPr>
+        <p:cNvPr id="1" name="">
+          <a:extLst>
+            <a:ext uri="{FF2B5EF4-FFF2-40B4-BE49-F238E27FC236}">
+              <a16:creationId xmlns:a16="http://schemas.microsoft.com/office/drawing/2014/main" id="{F6B34065-EB84-3FE8-A3E3-EE4DE1504632}"/>
+            </a:ext>
+          </a:extLst>
+        </p:cNvPr>
+        <p:cNvGrpSpPr/>
+        <p:nvPr/>
+      </p:nvGrpSpPr>
+      <p:grpSpPr>
+        <a:xfrm>
+          <a:off x="0" y="0"/>
+          <a:ext cx="0" cy="0"/>
+          <a:chOff x="0" y="0"/>
+          <a:chExt cx="0" cy="0"/>
+        </a:xfrm>
+      </p:grpSpPr>
+      <p:pic>
+        <p:nvPicPr>
+          <p:cNvPr id="5" name="Imagen 4">
+            <a:extLst>
+              <a:ext uri="{FF2B5EF4-FFF2-40B4-BE49-F238E27FC236}">
+                <a16:creationId xmlns:a16="http://schemas.microsoft.com/office/drawing/2014/main" id="{B10C4926-BC9D-3466-EB84-9F323435B8E0}"/>
+              </a:ext>
+            </a:extLst>
+          </p:cNvPr>
+          <p:cNvPicPr>
+            <a:picLocks noChangeAspect="1"/>
+          </p:cNvPicPr>
+          <p:nvPr/>
+        </p:nvPicPr>
+        <p:blipFill>
+          <a:blip r:embed="rId2">
+            <a:alphaModFix amt="5000"/>
+          </a:blip>
+          <a:stretch>
+            <a:fillRect/>
+          </a:stretch>
+        </p:blipFill>
+        <p:spPr>
+          <a:xfrm>
+            <a:off x="0" y="-16418"/>
+            <a:ext cx="12192000" cy="6874418"/>
+          </a:xfrm>
+          <a:prstGeom prst="rect">
+            <a:avLst/>
+          </a:prstGeom>
+        </p:spPr>
+      </p:pic>
+      <p:sp>
+        <p:nvSpPr>
+          <p:cNvPr id="2" name="Título 1">
+            <a:extLst>
+              <a:ext uri="{FF2B5EF4-FFF2-40B4-BE49-F238E27FC236}">
+                <a16:creationId xmlns:a16="http://schemas.microsoft.com/office/drawing/2014/main" id="{691BB01B-A961-8B2F-2B36-A3BA416B59E6}"/>
+              </a:ext>
+            </a:extLst>
+          </p:cNvPr>
+          <p:cNvSpPr>
+            <a:spLocks noGrp="1"/>
+          </p:cNvSpPr>
+          <p:nvPr>
+            <p:ph type="title"/>
+          </p:nvPr>
+        </p:nvSpPr>
+        <p:spPr/>
+        <p:txBody>
+          <a:bodyPr/>
+          <a:lstStyle/>
+          <a:p>
+            <a:r>
+              <a:rPr lang="es-ES" b="1" dirty="0"/>
+              <a:t>Diferencia entre .</a:t>
+            </a:r>
+            <a:r>
+              <a:rPr lang="es-ES" b="1" dirty="0" err="1"/>
+              <a:t>map</a:t>
+            </a:r>
+            <a:r>
+              <a:rPr lang="es-ES" b="1" dirty="0"/>
+              <a:t> y .</a:t>
+            </a:r>
+            <a:r>
+              <a:rPr lang="es-ES" b="1" dirty="0" err="1"/>
+              <a:t>filter</a:t>
+            </a:r>
+            <a:endParaRPr lang="es-ES" b="1" dirty="0">
+              <a:effectLst/>
+            </a:endParaRPr>
+          </a:p>
+        </p:txBody>
+      </p:sp>
+      <p:sp>
+        <p:nvSpPr>
+          <p:cNvPr id="3" name="Marcador de contenido 2">
+            <a:extLst>
+              <a:ext uri="{FF2B5EF4-FFF2-40B4-BE49-F238E27FC236}">
+                <a16:creationId xmlns:a16="http://schemas.microsoft.com/office/drawing/2014/main" id="{7D5E8999-17A5-A19C-B43D-D81D29ED5066}"/>
+              </a:ext>
+            </a:extLst>
+          </p:cNvPr>
+          <p:cNvSpPr>
+            <a:spLocks noGrp="1"/>
+          </p:cNvSpPr>
+          <p:nvPr>
+            <p:ph idx="1"/>
+          </p:nvPr>
+        </p:nvSpPr>
+        <p:spPr/>
+        <p:txBody>
+          <a:bodyPr>
+            <a:normAutofit/>
+          </a:bodyPr>
+          <a:lstStyle/>
+          <a:p>
+            <a:r>
+              <a:rPr lang="es-ES" b="1" dirty="0"/>
+              <a:t>.</a:t>
+            </a:r>
+            <a:r>
+              <a:rPr lang="es-ES" b="1" dirty="0" err="1"/>
+              <a:t>filter</a:t>
+            </a:r>
+            <a:r>
+              <a:rPr lang="es-ES" dirty="0"/>
+              <a:t>: </a:t>
+            </a:r>
+            <a:r>
+              <a:rPr lang="es-ES" b="1" dirty="0"/>
+              <a:t>Qué hace</a:t>
+            </a:r>
+            <a:r>
+              <a:rPr lang="es-ES" dirty="0"/>
+              <a:t>: Filtra elementos de un array según una condición y devuelve un </a:t>
+            </a:r>
+            <a:r>
+              <a:rPr lang="es-ES" b="1" dirty="0"/>
+              <a:t>nuevo array</a:t>
+            </a:r>
+            <a:r>
+              <a:rPr lang="es-ES" dirty="0"/>
+              <a:t> que solo contiene los elementos que cumplen esa condición.</a:t>
+            </a:r>
+          </a:p>
+          <a:p>
+            <a:r>
+              <a:rPr lang="es-ES" b="1" dirty="0"/>
+              <a:t>Cuándo usarlo</a:t>
+            </a:r>
+            <a:r>
+              <a:rPr lang="es-ES" dirty="0"/>
+              <a:t>: Cuando quieres </a:t>
+            </a:r>
+            <a:r>
+              <a:rPr lang="es-ES" b="1" dirty="0"/>
+              <a:t>seleccionar un subconjunto</a:t>
+            </a:r>
+            <a:r>
+              <a:rPr lang="es-ES" dirty="0"/>
+              <a:t> de elementos del array que cumplan con un criterio específico (por ejemplo, mostrar solo ciertos elementos en una lista).</a:t>
+            </a:r>
+          </a:p>
+          <a:p>
+            <a:r>
+              <a:rPr lang="es-ES" b="1" dirty="0"/>
+              <a:t>No modifica</a:t>
+            </a:r>
+            <a:r>
+              <a:rPr lang="es-ES" dirty="0"/>
+              <a:t>: El array original permanece intacto.</a:t>
+            </a:r>
+          </a:p>
+          <a:p>
+            <a:r>
+              <a:rPr lang="es-ES" b="1" dirty="0"/>
+              <a:t>Resultado</a:t>
+            </a:r>
+            <a:r>
+              <a:rPr lang="es-ES" dirty="0"/>
+              <a:t>: Un nuevo array con menos o igual cantidad de elementos que el original.</a:t>
+            </a:r>
+          </a:p>
+        </p:txBody>
+      </p:sp>
+      <p:pic>
+        <p:nvPicPr>
+          <p:cNvPr id="4" name="Imagen 3" descr="Logotipo&#10;&#10;Descripción generada automáticamente">
+            <a:extLst>
+              <a:ext uri="{FF2B5EF4-FFF2-40B4-BE49-F238E27FC236}">
+                <a16:creationId xmlns:a16="http://schemas.microsoft.com/office/drawing/2014/main" id="{E0DE53D3-CABC-06AA-F5BA-E91397F5D300}"/>
+              </a:ext>
+            </a:extLst>
+          </p:cNvPr>
+          <p:cNvPicPr>
+            <a:picLocks noChangeAspect="1"/>
+          </p:cNvPicPr>
+          <p:nvPr/>
+        </p:nvPicPr>
+        <p:blipFill>
+          <a:blip r:embed="rId3">
+            <a:extLst>
+              <a:ext uri="{28A0092B-C50C-407E-A947-70E740481C1C}">
+                <a14:useLocalDpi xmlns:a14="http://schemas.microsoft.com/office/drawing/2010/main" val="0"/>
+              </a:ext>
+            </a:extLst>
+          </a:blip>
+          <a:stretch>
+            <a:fillRect/>
+          </a:stretch>
+        </p:blipFill>
+        <p:spPr>
+          <a:xfrm>
+            <a:off x="0" y="5764617"/>
+            <a:ext cx="1735528" cy="1093383"/>
+          </a:xfrm>
+          <a:prstGeom prst="rect">
+            <a:avLst/>
+          </a:prstGeom>
+        </p:spPr>
+      </p:pic>
+      <p:sp>
+        <p:nvSpPr>
+          <p:cNvPr id="6" name="CuadroTexto 5">
+            <a:extLst>
+              <a:ext uri="{FF2B5EF4-FFF2-40B4-BE49-F238E27FC236}">
+                <a16:creationId xmlns:a16="http://schemas.microsoft.com/office/drawing/2014/main" id="{DF162A42-FD35-8DC3-F874-1F07C340D639}"/>
+              </a:ext>
+            </a:extLst>
+          </p:cNvPr>
+          <p:cNvSpPr txBox="1"/>
+          <p:nvPr/>
+        </p:nvSpPr>
+        <p:spPr>
+          <a:xfrm>
+            <a:off x="9054058" y="6488668"/>
+            <a:ext cx="3137941" cy="369332"/>
+          </a:xfrm>
+          <a:prstGeom prst="rect">
+            <a:avLst/>
+          </a:prstGeom>
+          <a:noFill/>
+        </p:spPr>
+        <p:txBody>
+          <a:bodyPr wrap="square" rtlCol="0">
+            <a:spAutoFit/>
+          </a:bodyPr>
+          <a:lstStyle/>
+          <a:p>
+            <a:pPr algn="ctr"/>
+            <a:r>
+              <a:rPr lang="es-ES" dirty="0">
+                <a:solidFill>
+                  <a:schemeClr val="tx2">
+                    <a:lumMod val="75000"/>
+                    <a:lumOff val="25000"/>
+                  </a:schemeClr>
+                </a:solidFill>
+              </a:rPr>
+              <a:t>Fundamentos de </a:t>
+            </a:r>
+            <a:r>
+              <a:rPr lang="es-ES" dirty="0" err="1">
+                <a:solidFill>
+                  <a:schemeClr val="tx2">
+                    <a:lumMod val="75000"/>
+                    <a:lumOff val="25000"/>
+                  </a:schemeClr>
+                </a:solidFill>
+              </a:rPr>
+              <a:t>React</a:t>
+            </a:r>
+            <a:endParaRPr lang="es-ES" dirty="0">
+              <a:solidFill>
+                <a:schemeClr val="tx2">
+                  <a:lumMod val="75000"/>
+                  <a:lumOff val="25000"/>
+                </a:schemeClr>
+              </a:solidFill>
+            </a:endParaRPr>
+          </a:p>
+        </p:txBody>
+      </p:sp>
+    </p:spTree>
+    <p:extLst>
+      <p:ext uri="{BB962C8B-B14F-4D97-AF65-F5344CB8AC3E}">
+        <p14:creationId xmlns:p14="http://schemas.microsoft.com/office/powerpoint/2010/main" val="3286780138"/>
+      </p:ext>
+    </p:extLst>
+  </p:cSld>
+  <p:clrMapOvr>
+    <a:masterClrMapping/>
+  </p:clrMapOvr>
+</p:sld>
+</file>
+
+<file path=ppt/slides/slide21.xml><?xml version="1.0" encoding="utf-8"?>
+<p:sld xmlns:a="http://schemas.openxmlformats.org/drawingml/2006/main" xmlns:r="http://schemas.openxmlformats.org/officeDocument/2006/relationships" xmlns:p="http://schemas.openxmlformats.org/presentationml/2006/main">
+  <p:cSld>
+    <p:spTree>
+      <p:nvGrpSpPr>
+        <p:cNvPr id="1" name="">
+          <a:extLst>
+            <a:ext uri="{FF2B5EF4-FFF2-40B4-BE49-F238E27FC236}">
+              <a16:creationId xmlns:a16="http://schemas.microsoft.com/office/drawing/2014/main" id="{4F563600-7A45-CD5E-8750-90BFB9D6D998}"/>
+            </a:ext>
+          </a:extLst>
+        </p:cNvPr>
+        <p:cNvGrpSpPr/>
+        <p:nvPr/>
+      </p:nvGrpSpPr>
+      <p:grpSpPr>
+        <a:xfrm>
+          <a:off x="0" y="0"/>
+          <a:ext cx="0" cy="0"/>
+          <a:chOff x="0" y="0"/>
+          <a:chExt cx="0" cy="0"/>
+        </a:xfrm>
+      </p:grpSpPr>
+      <p:pic>
+        <p:nvPicPr>
+          <p:cNvPr id="5" name="Imagen 4">
+            <a:extLst>
+              <a:ext uri="{FF2B5EF4-FFF2-40B4-BE49-F238E27FC236}">
+                <a16:creationId xmlns:a16="http://schemas.microsoft.com/office/drawing/2014/main" id="{079104A7-6BF1-DB31-F244-529C49C0EB8E}"/>
+              </a:ext>
+            </a:extLst>
+          </p:cNvPr>
+          <p:cNvPicPr>
+            <a:picLocks noChangeAspect="1"/>
+          </p:cNvPicPr>
+          <p:nvPr/>
+        </p:nvPicPr>
+        <p:blipFill>
+          <a:blip r:embed="rId2">
+            <a:alphaModFix amt="5000"/>
+          </a:blip>
+          <a:stretch>
+            <a:fillRect/>
+          </a:stretch>
+        </p:blipFill>
+        <p:spPr>
+          <a:xfrm>
+            <a:off x="0" y="-16418"/>
+            <a:ext cx="12192000" cy="6874418"/>
+          </a:xfrm>
+          <a:prstGeom prst="rect">
+            <a:avLst/>
+          </a:prstGeom>
+        </p:spPr>
+      </p:pic>
+      <p:sp>
+        <p:nvSpPr>
+          <p:cNvPr id="2" name="Título 1">
+            <a:extLst>
+              <a:ext uri="{FF2B5EF4-FFF2-40B4-BE49-F238E27FC236}">
+                <a16:creationId xmlns:a16="http://schemas.microsoft.com/office/drawing/2014/main" id="{4760A394-9C12-5558-6EC6-DDE83FF59AD6}"/>
+              </a:ext>
+            </a:extLst>
+          </p:cNvPr>
+          <p:cNvSpPr>
+            <a:spLocks noGrp="1"/>
+          </p:cNvSpPr>
+          <p:nvPr>
+            <p:ph type="title"/>
+          </p:nvPr>
+        </p:nvSpPr>
+        <p:spPr/>
+        <p:txBody>
+          <a:bodyPr/>
+          <a:lstStyle/>
+          <a:p>
+            <a:r>
+              <a:rPr lang="es-ES" dirty="0"/>
+              <a:t>Usando .</a:t>
+            </a:r>
+            <a:r>
+              <a:rPr lang="es-ES" dirty="0" err="1"/>
+              <a:t>map</a:t>
+            </a:r>
+            <a:r>
+              <a:rPr lang="es-ES" dirty="0"/>
+              <a:t> en React.js</a:t>
+            </a:r>
+            <a:endParaRPr lang="es-ES" dirty="0">
+              <a:effectLst/>
+            </a:endParaRPr>
+          </a:p>
+        </p:txBody>
+      </p:sp>
+      <p:sp>
+        <p:nvSpPr>
+          <p:cNvPr id="3" name="Marcador de contenido 2">
+            <a:extLst>
+              <a:ext uri="{FF2B5EF4-FFF2-40B4-BE49-F238E27FC236}">
+                <a16:creationId xmlns:a16="http://schemas.microsoft.com/office/drawing/2014/main" id="{B79077A9-2BB6-76D4-9F29-51A3C88B5B6D}"/>
+              </a:ext>
+            </a:extLst>
+          </p:cNvPr>
+          <p:cNvSpPr>
+            <a:spLocks noGrp="1"/>
+          </p:cNvSpPr>
+          <p:nvPr>
+            <p:ph idx="1"/>
+          </p:nvPr>
+        </p:nvSpPr>
+        <p:spPr/>
+        <p:txBody>
+          <a:bodyPr>
+            <a:normAutofit fontScale="47500" lnSpcReduction="20000"/>
+          </a:bodyPr>
+          <a:lstStyle/>
+          <a:p>
+            <a:r>
+              <a:rPr lang="es-ES" b="1" dirty="0" err="1"/>
+              <a:t>const</a:t>
+            </a:r>
+            <a:r>
+              <a:rPr lang="es-ES" b="1" dirty="0"/>
+              <a:t> estudiantes = [</a:t>
+            </a:r>
+          </a:p>
+          <a:p>
+            <a:r>
+              <a:rPr lang="es-ES" b="1" dirty="0"/>
+              <a:t>  { nombre: "Ana", edad: 20 },</a:t>
+            </a:r>
+          </a:p>
+          <a:p>
+            <a:r>
+              <a:rPr lang="es-ES" b="1" dirty="0"/>
+              <a:t>  { nombre: "Carlos", edad: 22 },</a:t>
+            </a:r>
+          </a:p>
+          <a:p>
+            <a:r>
+              <a:rPr lang="es-ES" b="1" dirty="0"/>
+              <a:t>  { nombre: "María", edad: 19 },</a:t>
+            </a:r>
+          </a:p>
+          <a:p>
+            <a:r>
+              <a:rPr lang="es-ES" b="1" dirty="0"/>
+              <a:t>];</a:t>
+            </a:r>
+          </a:p>
+          <a:p>
+            <a:endParaRPr lang="es-ES" b="1" dirty="0"/>
+          </a:p>
+          <a:p>
+            <a:r>
+              <a:rPr lang="es-ES" b="1" dirty="0" err="1"/>
+              <a:t>function</a:t>
+            </a:r>
+            <a:r>
+              <a:rPr lang="es-ES" b="1" dirty="0"/>
+              <a:t> </a:t>
+            </a:r>
+            <a:r>
+              <a:rPr lang="es-ES" b="1" dirty="0" err="1"/>
+              <a:t>ListaEstudiantes</a:t>
+            </a:r>
+            <a:r>
+              <a:rPr lang="es-ES" b="1" dirty="0"/>
+              <a:t>() {</a:t>
+            </a:r>
+          </a:p>
+          <a:p>
+            <a:r>
+              <a:rPr lang="es-ES" b="1" dirty="0"/>
+              <a:t>  </a:t>
+            </a:r>
+            <a:r>
+              <a:rPr lang="es-ES" b="1" dirty="0" err="1"/>
+              <a:t>return</a:t>
+            </a:r>
+            <a:r>
+              <a:rPr lang="es-ES" b="1" dirty="0"/>
+              <a:t> (</a:t>
+            </a:r>
+          </a:p>
+          <a:p>
+            <a:r>
+              <a:rPr lang="es-ES" b="1" dirty="0"/>
+              <a:t>    &lt;</a:t>
+            </a:r>
+            <a:r>
+              <a:rPr lang="es-ES" b="1" dirty="0" err="1"/>
+              <a:t>ul</a:t>
+            </a:r>
+            <a:r>
+              <a:rPr lang="es-ES" b="1" dirty="0"/>
+              <a:t>&gt;</a:t>
+            </a:r>
+          </a:p>
+          <a:p>
+            <a:r>
+              <a:rPr lang="es-ES" b="1" dirty="0"/>
+              <a:t>      {</a:t>
+            </a:r>
+            <a:r>
+              <a:rPr lang="es-ES" b="1" dirty="0" err="1"/>
+              <a:t>estudiantes.map</a:t>
+            </a:r>
+            <a:r>
+              <a:rPr lang="es-ES" b="1" dirty="0"/>
+              <a:t>((estudiante, </a:t>
+            </a:r>
+            <a:r>
+              <a:rPr lang="es-ES" b="1" dirty="0" err="1"/>
+              <a:t>index</a:t>
+            </a:r>
+            <a:r>
+              <a:rPr lang="es-ES" b="1" dirty="0"/>
+              <a:t>) =&gt; (</a:t>
+            </a:r>
+          </a:p>
+          <a:p>
+            <a:r>
+              <a:rPr lang="es-ES" b="1" dirty="0"/>
+              <a:t>        &lt;</a:t>
+            </a:r>
+            <a:r>
+              <a:rPr lang="es-ES" b="1" dirty="0" err="1"/>
+              <a:t>li</a:t>
+            </a:r>
+            <a:r>
+              <a:rPr lang="es-ES" b="1" dirty="0"/>
+              <a:t> </a:t>
+            </a:r>
+            <a:r>
+              <a:rPr lang="es-ES" b="1" dirty="0" err="1"/>
+              <a:t>key</a:t>
+            </a:r>
+            <a:r>
+              <a:rPr lang="es-ES" b="1" dirty="0"/>
+              <a:t>={</a:t>
+            </a:r>
+            <a:r>
+              <a:rPr lang="es-ES" b="1" dirty="0" err="1"/>
+              <a:t>index</a:t>
+            </a:r>
+            <a:r>
+              <a:rPr lang="es-ES" b="1" dirty="0"/>
+              <a:t>}&gt;</a:t>
+            </a:r>
+          </a:p>
+          <a:p>
+            <a:r>
+              <a:rPr lang="es-ES" b="1" dirty="0"/>
+              <a:t>          Estudiante {</a:t>
+            </a:r>
+            <a:r>
+              <a:rPr lang="es-ES" b="1" dirty="0" err="1"/>
+              <a:t>index</a:t>
+            </a:r>
+            <a:r>
+              <a:rPr lang="es-ES" b="1" dirty="0"/>
+              <a:t> + 1}: {</a:t>
+            </a:r>
+            <a:r>
+              <a:rPr lang="es-ES" b="1" dirty="0" err="1"/>
+              <a:t>estudiante.nombre</a:t>
+            </a:r>
+            <a:r>
+              <a:rPr lang="es-ES" b="1" dirty="0"/>
+              <a:t>} tiene {</a:t>
+            </a:r>
+            <a:r>
+              <a:rPr lang="es-ES" b="1" dirty="0" err="1"/>
+              <a:t>estudiante.edad</a:t>
+            </a:r>
+            <a:r>
+              <a:rPr lang="es-ES" b="1" dirty="0"/>
+              <a:t>} años.</a:t>
+            </a:r>
+          </a:p>
+          <a:p>
+            <a:r>
+              <a:rPr lang="es-ES" b="1" dirty="0"/>
+              <a:t>        &lt;/</a:t>
+            </a:r>
+            <a:r>
+              <a:rPr lang="es-ES" b="1" dirty="0" err="1"/>
+              <a:t>li</a:t>
+            </a:r>
+            <a:r>
+              <a:rPr lang="es-ES" b="1" dirty="0"/>
+              <a:t>&gt;</a:t>
+            </a:r>
+          </a:p>
+          <a:p>
+            <a:r>
+              <a:rPr lang="es-ES" b="1" dirty="0"/>
+              <a:t>      ))}</a:t>
+            </a:r>
+          </a:p>
+          <a:p>
+            <a:r>
+              <a:rPr lang="es-ES" b="1" dirty="0"/>
+              <a:t>    &lt;/</a:t>
+            </a:r>
+            <a:r>
+              <a:rPr lang="es-ES" b="1" dirty="0" err="1"/>
+              <a:t>ul</a:t>
+            </a:r>
+            <a:r>
+              <a:rPr lang="es-ES" b="1" dirty="0"/>
+              <a:t>&gt;</a:t>
+            </a:r>
+          </a:p>
+          <a:p>
+            <a:r>
+              <a:rPr lang="es-ES" b="1" dirty="0"/>
+              <a:t>  );</a:t>
+            </a:r>
+          </a:p>
+          <a:p>
+            <a:pPr marL="0" indent="0">
+              <a:buNone/>
+            </a:pPr>
+            <a:endParaRPr lang="es-ES" dirty="0"/>
+          </a:p>
+        </p:txBody>
+      </p:sp>
+      <p:pic>
+        <p:nvPicPr>
+          <p:cNvPr id="4" name="Imagen 3" descr="Logotipo&#10;&#10;Descripción generada automáticamente">
+            <a:extLst>
+              <a:ext uri="{FF2B5EF4-FFF2-40B4-BE49-F238E27FC236}">
+                <a16:creationId xmlns:a16="http://schemas.microsoft.com/office/drawing/2014/main" id="{11F171CA-91A6-9DD6-E4B7-99BEA3D0EA3D}"/>
+              </a:ext>
+            </a:extLst>
+          </p:cNvPr>
+          <p:cNvPicPr>
+            <a:picLocks noChangeAspect="1"/>
+          </p:cNvPicPr>
+          <p:nvPr/>
+        </p:nvPicPr>
+        <p:blipFill>
+          <a:blip r:embed="rId3">
+            <a:extLst>
+              <a:ext uri="{28A0092B-C50C-407E-A947-70E740481C1C}">
+                <a14:useLocalDpi xmlns:a14="http://schemas.microsoft.com/office/drawing/2010/main" val="0"/>
+              </a:ext>
+            </a:extLst>
+          </a:blip>
+          <a:stretch>
+            <a:fillRect/>
+          </a:stretch>
+        </p:blipFill>
+        <p:spPr>
+          <a:xfrm>
+            <a:off x="0" y="5764617"/>
+            <a:ext cx="1735528" cy="1093383"/>
+          </a:xfrm>
+          <a:prstGeom prst="rect">
+            <a:avLst/>
+          </a:prstGeom>
+        </p:spPr>
+      </p:pic>
+      <p:sp>
+        <p:nvSpPr>
+          <p:cNvPr id="6" name="CuadroTexto 5">
+            <a:extLst>
+              <a:ext uri="{FF2B5EF4-FFF2-40B4-BE49-F238E27FC236}">
+                <a16:creationId xmlns:a16="http://schemas.microsoft.com/office/drawing/2014/main" id="{69731A2E-9630-18C3-B6A8-EB17EE35245C}"/>
+              </a:ext>
+            </a:extLst>
+          </p:cNvPr>
+          <p:cNvSpPr txBox="1"/>
+          <p:nvPr/>
+        </p:nvSpPr>
+        <p:spPr>
+          <a:xfrm>
+            <a:off x="9054058" y="6488668"/>
+            <a:ext cx="3137941" cy="369332"/>
+          </a:xfrm>
+          <a:prstGeom prst="rect">
+            <a:avLst/>
+          </a:prstGeom>
+          <a:noFill/>
+        </p:spPr>
+        <p:txBody>
+          <a:bodyPr wrap="square" rtlCol="0">
+            <a:spAutoFit/>
+          </a:bodyPr>
+          <a:lstStyle/>
+          <a:p>
+            <a:pPr algn="ctr"/>
+            <a:r>
+              <a:rPr lang="es-ES" dirty="0">
+                <a:solidFill>
+                  <a:schemeClr val="tx2">
+                    <a:lumMod val="75000"/>
+                    <a:lumOff val="25000"/>
+                  </a:schemeClr>
+                </a:solidFill>
+              </a:rPr>
+              <a:t>Fundamentos de </a:t>
+            </a:r>
+            <a:r>
+              <a:rPr lang="es-ES" dirty="0" err="1">
+                <a:solidFill>
+                  <a:schemeClr val="tx2">
+                    <a:lumMod val="75000"/>
+                    <a:lumOff val="25000"/>
+                  </a:schemeClr>
+                </a:solidFill>
+              </a:rPr>
+              <a:t>React</a:t>
+            </a:r>
+            <a:endParaRPr lang="es-ES" dirty="0">
+              <a:solidFill>
+                <a:schemeClr val="tx2">
+                  <a:lumMod val="75000"/>
+                  <a:lumOff val="25000"/>
+                </a:schemeClr>
+              </a:solidFill>
+            </a:endParaRPr>
+          </a:p>
+        </p:txBody>
+      </p:sp>
+    </p:spTree>
+    <p:extLst>
+      <p:ext uri="{BB962C8B-B14F-4D97-AF65-F5344CB8AC3E}">
+        <p14:creationId xmlns:p14="http://schemas.microsoft.com/office/powerpoint/2010/main" val="3058636599"/>
+      </p:ext>
+    </p:extLst>
+  </p:cSld>
+  <p:clrMapOvr>
+    <a:masterClrMapping/>
+  </p:clrMapOvr>
+</p:sld>
+</file>
+
+<file path=ppt/slides/slide22.xml><?xml version="1.0" encoding="utf-8"?>
+<p:sld xmlns:a="http://schemas.openxmlformats.org/drawingml/2006/main" xmlns:r="http://schemas.openxmlformats.org/officeDocument/2006/relationships" xmlns:p="http://schemas.openxmlformats.org/presentationml/2006/main">
+  <p:cSld>
+    <p:spTree>
+      <p:nvGrpSpPr>
+        <p:cNvPr id="1" name="">
+          <a:extLst>
+            <a:ext uri="{FF2B5EF4-FFF2-40B4-BE49-F238E27FC236}">
+              <a16:creationId xmlns:a16="http://schemas.microsoft.com/office/drawing/2014/main" id="{0C1CBB7C-E68C-43CA-5283-54B867744AD6}"/>
+            </a:ext>
+          </a:extLst>
+        </p:cNvPr>
+        <p:cNvGrpSpPr/>
+        <p:nvPr/>
+      </p:nvGrpSpPr>
+      <p:grpSpPr>
+        <a:xfrm>
+          <a:off x="0" y="0"/>
+          <a:ext cx="0" cy="0"/>
+          <a:chOff x="0" y="0"/>
+          <a:chExt cx="0" cy="0"/>
+        </a:xfrm>
+      </p:grpSpPr>
+      <p:pic>
+        <p:nvPicPr>
+          <p:cNvPr id="5" name="Imagen 4">
+            <a:extLst>
+              <a:ext uri="{FF2B5EF4-FFF2-40B4-BE49-F238E27FC236}">
+                <a16:creationId xmlns:a16="http://schemas.microsoft.com/office/drawing/2014/main" id="{CAF6A788-40DE-AA0F-04F5-CF07747763B1}"/>
+              </a:ext>
+            </a:extLst>
+          </p:cNvPr>
+          <p:cNvPicPr>
+            <a:picLocks noChangeAspect="1"/>
+          </p:cNvPicPr>
+          <p:nvPr/>
+        </p:nvPicPr>
+        <p:blipFill>
+          <a:blip r:embed="rId2">
+            <a:alphaModFix amt="5000"/>
+          </a:blip>
+          <a:stretch>
+            <a:fillRect/>
+          </a:stretch>
+        </p:blipFill>
+        <p:spPr>
+          <a:xfrm>
+            <a:off x="0" y="-16418"/>
+            <a:ext cx="12192000" cy="6874418"/>
+          </a:xfrm>
+          <a:prstGeom prst="rect">
+            <a:avLst/>
+          </a:prstGeom>
+        </p:spPr>
+      </p:pic>
+      <p:sp>
+        <p:nvSpPr>
+          <p:cNvPr id="2" name="Título 1">
+            <a:extLst>
+              <a:ext uri="{FF2B5EF4-FFF2-40B4-BE49-F238E27FC236}">
+                <a16:creationId xmlns:a16="http://schemas.microsoft.com/office/drawing/2014/main" id="{9C22BA69-BBC9-2400-72DF-A8812A819A4D}"/>
+              </a:ext>
+            </a:extLst>
+          </p:cNvPr>
+          <p:cNvSpPr>
+            <a:spLocks noGrp="1"/>
+          </p:cNvSpPr>
+          <p:nvPr>
+            <p:ph type="title"/>
+          </p:nvPr>
+        </p:nvSpPr>
+        <p:spPr/>
+        <p:txBody>
+          <a:bodyPr/>
+          <a:lstStyle/>
+          <a:p>
+            <a:r>
+              <a:rPr lang="en-US" dirty="0" err="1"/>
+              <a:t>Usando</a:t>
+            </a:r>
+            <a:r>
+              <a:rPr lang="en-US" dirty="0"/>
+              <a:t> .filter </a:t>
+            </a:r>
+            <a:r>
+              <a:rPr lang="en-US" dirty="0" err="1"/>
+              <a:t>en</a:t>
+            </a:r>
+            <a:r>
+              <a:rPr lang="en-US" dirty="0"/>
+              <a:t> React.js</a:t>
+            </a:r>
+            <a:endParaRPr lang="en-US" dirty="0">
+              <a:effectLst/>
+            </a:endParaRPr>
+          </a:p>
+        </p:txBody>
+      </p:sp>
+      <p:sp>
+        <p:nvSpPr>
+          <p:cNvPr id="3" name="Marcador de contenido 2">
+            <a:extLst>
+              <a:ext uri="{FF2B5EF4-FFF2-40B4-BE49-F238E27FC236}">
+                <a16:creationId xmlns:a16="http://schemas.microsoft.com/office/drawing/2014/main" id="{33844C3E-C671-EB13-8E1C-CD9CA88CB062}"/>
+              </a:ext>
+            </a:extLst>
+          </p:cNvPr>
+          <p:cNvSpPr>
+            <a:spLocks noGrp="1"/>
+          </p:cNvSpPr>
+          <p:nvPr>
+            <p:ph idx="1"/>
+          </p:nvPr>
+        </p:nvSpPr>
+        <p:spPr/>
+        <p:txBody>
+          <a:bodyPr>
+            <a:normAutofit fontScale="47500" lnSpcReduction="20000"/>
+          </a:bodyPr>
+          <a:lstStyle/>
+          <a:p>
+            <a:r>
+              <a:rPr lang="es-ES" b="1" dirty="0" err="1"/>
+              <a:t>const</a:t>
+            </a:r>
+            <a:r>
+              <a:rPr lang="es-ES" b="1" dirty="0"/>
+              <a:t> estudiantes = [</a:t>
+            </a:r>
+          </a:p>
+          <a:p>
+            <a:r>
+              <a:rPr lang="es-ES" b="1" dirty="0"/>
+              <a:t>  { nombre: "Ana", edad: 20 },</a:t>
+            </a:r>
+          </a:p>
+          <a:p>
+            <a:r>
+              <a:rPr lang="es-ES" b="1" dirty="0"/>
+              <a:t>  { nombre: "Carlos", edad: 22 },</a:t>
+            </a:r>
+          </a:p>
+          <a:p>
+            <a:r>
+              <a:rPr lang="es-ES" b="1" dirty="0"/>
+              <a:t>  { nombre: "María", edad: 19 },</a:t>
+            </a:r>
+          </a:p>
+          <a:p>
+            <a:r>
+              <a:rPr lang="es-ES" b="1" dirty="0"/>
+              <a:t>];</a:t>
+            </a:r>
+          </a:p>
+          <a:p>
+            <a:r>
+              <a:rPr lang="es-ES" b="1" dirty="0" err="1"/>
+              <a:t>function</a:t>
+            </a:r>
+            <a:r>
+              <a:rPr lang="es-ES" b="1" dirty="0"/>
+              <a:t> </a:t>
+            </a:r>
+            <a:r>
+              <a:rPr lang="es-ES" b="1" dirty="0" err="1"/>
+              <a:t>ListaEstudiantesMayores</a:t>
+            </a:r>
+            <a:r>
+              <a:rPr lang="es-ES" b="1" dirty="0"/>
+              <a:t>() {</a:t>
+            </a:r>
+          </a:p>
+          <a:p>
+            <a:r>
+              <a:rPr lang="es-ES" b="1" dirty="0"/>
+              <a:t>  </a:t>
+            </a:r>
+            <a:r>
+              <a:rPr lang="es-ES" b="1" dirty="0" err="1"/>
+              <a:t>const</a:t>
+            </a:r>
+            <a:r>
+              <a:rPr lang="es-ES" b="1" dirty="0"/>
+              <a:t> </a:t>
+            </a:r>
+            <a:r>
+              <a:rPr lang="es-ES" b="1" dirty="0" err="1"/>
+              <a:t>estudiantesMayores</a:t>
+            </a:r>
+            <a:r>
+              <a:rPr lang="es-ES" b="1" dirty="0"/>
+              <a:t> = </a:t>
+            </a:r>
+            <a:r>
+              <a:rPr lang="es-ES" b="1" dirty="0" err="1"/>
+              <a:t>estudiantes.filter</a:t>
+            </a:r>
+            <a:r>
+              <a:rPr lang="es-ES" b="1" dirty="0"/>
+              <a:t>((estudiante) =&gt; </a:t>
+            </a:r>
+            <a:r>
+              <a:rPr lang="es-ES" b="1" dirty="0" err="1"/>
+              <a:t>estudiante.edad</a:t>
+            </a:r>
+            <a:r>
+              <a:rPr lang="es-ES" b="1" dirty="0"/>
+              <a:t> &gt;= 20);</a:t>
+            </a:r>
+          </a:p>
+          <a:p>
+            <a:r>
+              <a:rPr lang="es-ES" b="1" dirty="0"/>
+              <a:t>  </a:t>
+            </a:r>
+            <a:r>
+              <a:rPr lang="es-ES" b="1" dirty="0" err="1"/>
+              <a:t>return</a:t>
+            </a:r>
+            <a:r>
+              <a:rPr lang="es-ES" b="1" dirty="0"/>
+              <a:t> (</a:t>
+            </a:r>
+          </a:p>
+          <a:p>
+            <a:r>
+              <a:rPr lang="es-ES" b="1" dirty="0"/>
+              <a:t>    &lt;</a:t>
+            </a:r>
+            <a:r>
+              <a:rPr lang="es-ES" b="1" dirty="0" err="1"/>
+              <a:t>ul</a:t>
+            </a:r>
+            <a:r>
+              <a:rPr lang="es-ES" b="1" dirty="0"/>
+              <a:t>&gt;</a:t>
+            </a:r>
+          </a:p>
+          <a:p>
+            <a:r>
+              <a:rPr lang="es-ES" b="1" dirty="0"/>
+              <a:t>      {</a:t>
+            </a:r>
+            <a:r>
+              <a:rPr lang="es-ES" b="1" dirty="0" err="1"/>
+              <a:t>estudiantesMayores.map</a:t>
+            </a:r>
+            <a:r>
+              <a:rPr lang="es-ES" b="1" dirty="0"/>
+              <a:t>((estudiante, </a:t>
+            </a:r>
+            <a:r>
+              <a:rPr lang="es-ES" b="1" dirty="0" err="1"/>
+              <a:t>index</a:t>
+            </a:r>
+            <a:r>
+              <a:rPr lang="es-ES" b="1" dirty="0"/>
+              <a:t>) =&gt; (</a:t>
+            </a:r>
+          </a:p>
+          <a:p>
+            <a:r>
+              <a:rPr lang="es-ES" b="1" dirty="0"/>
+              <a:t>        &lt;</a:t>
+            </a:r>
+            <a:r>
+              <a:rPr lang="es-ES" b="1" dirty="0" err="1"/>
+              <a:t>li</a:t>
+            </a:r>
+            <a:r>
+              <a:rPr lang="es-ES" b="1" dirty="0"/>
+              <a:t> </a:t>
+            </a:r>
+            <a:r>
+              <a:rPr lang="es-ES" b="1" dirty="0" err="1"/>
+              <a:t>key</a:t>
+            </a:r>
+            <a:r>
+              <a:rPr lang="es-ES" b="1" dirty="0"/>
+              <a:t>={</a:t>
+            </a:r>
+            <a:r>
+              <a:rPr lang="es-ES" b="1" dirty="0" err="1"/>
+              <a:t>index</a:t>
+            </a:r>
+            <a:r>
+              <a:rPr lang="es-ES" b="1" dirty="0"/>
+              <a:t>}&gt;</a:t>
+            </a:r>
+          </a:p>
+          <a:p>
+            <a:r>
+              <a:rPr lang="es-ES" b="1" dirty="0"/>
+              <a:t>          Estudiante {</a:t>
+            </a:r>
+            <a:r>
+              <a:rPr lang="es-ES" b="1" dirty="0" err="1"/>
+              <a:t>index</a:t>
+            </a:r>
+            <a:r>
+              <a:rPr lang="es-ES" b="1" dirty="0"/>
+              <a:t> + 1}: {</a:t>
+            </a:r>
+            <a:r>
+              <a:rPr lang="es-ES" b="1" dirty="0" err="1"/>
+              <a:t>estudiante.nombre</a:t>
+            </a:r>
+            <a:r>
+              <a:rPr lang="es-ES" b="1" dirty="0"/>
+              <a:t>} tiene {</a:t>
+            </a:r>
+            <a:r>
+              <a:rPr lang="es-ES" b="1" dirty="0" err="1"/>
+              <a:t>estudiante.edad</a:t>
+            </a:r>
+            <a:r>
+              <a:rPr lang="es-ES" b="1" dirty="0"/>
+              <a:t>} años.</a:t>
+            </a:r>
+          </a:p>
+          <a:p>
+            <a:r>
+              <a:rPr lang="es-ES" b="1" dirty="0"/>
+              <a:t>        &lt;/</a:t>
+            </a:r>
+            <a:r>
+              <a:rPr lang="es-ES" b="1" dirty="0" err="1"/>
+              <a:t>li</a:t>
+            </a:r>
+            <a:r>
+              <a:rPr lang="es-ES" b="1" dirty="0"/>
+              <a:t>&gt;</a:t>
+            </a:r>
+          </a:p>
+          <a:p>
+            <a:r>
+              <a:rPr lang="es-ES" b="1" dirty="0"/>
+              <a:t>      ))}</a:t>
+            </a:r>
+          </a:p>
+          <a:p>
+            <a:r>
+              <a:rPr lang="es-ES" b="1" dirty="0"/>
+              <a:t>    &lt;/</a:t>
+            </a:r>
+            <a:r>
+              <a:rPr lang="es-ES" b="1" dirty="0" err="1"/>
+              <a:t>ul</a:t>
+            </a:r>
+            <a:r>
+              <a:rPr lang="es-ES" b="1" dirty="0"/>
+              <a:t>&gt;</a:t>
+            </a:r>
+          </a:p>
+          <a:p>
+            <a:r>
+              <a:rPr lang="es-ES" b="1" dirty="0"/>
+              <a:t>  );</a:t>
+            </a:r>
+          </a:p>
+        </p:txBody>
+      </p:sp>
+      <p:pic>
+        <p:nvPicPr>
+          <p:cNvPr id="4" name="Imagen 3" descr="Logotipo&#10;&#10;Descripción generada automáticamente">
+            <a:extLst>
+              <a:ext uri="{FF2B5EF4-FFF2-40B4-BE49-F238E27FC236}">
+                <a16:creationId xmlns:a16="http://schemas.microsoft.com/office/drawing/2014/main" id="{A83A4109-3E6F-ECA3-5257-A223D9947C9B}"/>
+              </a:ext>
+            </a:extLst>
+          </p:cNvPr>
+          <p:cNvPicPr>
+            <a:picLocks noChangeAspect="1"/>
+          </p:cNvPicPr>
+          <p:nvPr/>
+        </p:nvPicPr>
+        <p:blipFill>
+          <a:blip r:embed="rId3">
+            <a:extLst>
+              <a:ext uri="{28A0092B-C50C-407E-A947-70E740481C1C}">
+                <a14:useLocalDpi xmlns:a14="http://schemas.microsoft.com/office/drawing/2010/main" val="0"/>
+              </a:ext>
+            </a:extLst>
+          </a:blip>
+          <a:stretch>
+            <a:fillRect/>
+          </a:stretch>
+        </p:blipFill>
+        <p:spPr>
+          <a:xfrm>
+            <a:off x="0" y="5764617"/>
+            <a:ext cx="1735528" cy="1093383"/>
+          </a:xfrm>
+          <a:prstGeom prst="rect">
+            <a:avLst/>
+          </a:prstGeom>
+        </p:spPr>
+      </p:pic>
+      <p:sp>
+        <p:nvSpPr>
+          <p:cNvPr id="6" name="CuadroTexto 5">
+            <a:extLst>
+              <a:ext uri="{FF2B5EF4-FFF2-40B4-BE49-F238E27FC236}">
+                <a16:creationId xmlns:a16="http://schemas.microsoft.com/office/drawing/2014/main" id="{083BD495-96A7-9948-9855-FB95C7D80232}"/>
+              </a:ext>
+            </a:extLst>
+          </p:cNvPr>
+          <p:cNvSpPr txBox="1"/>
+          <p:nvPr/>
+        </p:nvSpPr>
+        <p:spPr>
+          <a:xfrm>
+            <a:off x="9054058" y="6488668"/>
+            <a:ext cx="3137941" cy="369332"/>
+          </a:xfrm>
+          <a:prstGeom prst="rect">
+            <a:avLst/>
+          </a:prstGeom>
+          <a:noFill/>
+        </p:spPr>
+        <p:txBody>
+          <a:bodyPr wrap="square" rtlCol="0">
+            <a:spAutoFit/>
+          </a:bodyPr>
+          <a:lstStyle/>
+          <a:p>
+            <a:pPr algn="ctr"/>
+            <a:r>
+              <a:rPr lang="es-ES" dirty="0">
+                <a:solidFill>
+                  <a:schemeClr val="tx2">
+                    <a:lumMod val="75000"/>
+                    <a:lumOff val="25000"/>
+                  </a:schemeClr>
+                </a:solidFill>
+              </a:rPr>
+              <a:t>Fundamentos de </a:t>
+            </a:r>
+            <a:r>
+              <a:rPr lang="es-ES" dirty="0" err="1">
+                <a:solidFill>
+                  <a:schemeClr val="tx2">
+                    <a:lumMod val="75000"/>
+                    <a:lumOff val="25000"/>
+                  </a:schemeClr>
+                </a:solidFill>
+              </a:rPr>
+              <a:t>React</a:t>
+            </a:r>
+            <a:endParaRPr lang="es-ES" dirty="0">
+              <a:solidFill>
+                <a:schemeClr val="tx2">
+                  <a:lumMod val="75000"/>
+                  <a:lumOff val="25000"/>
+                </a:schemeClr>
+              </a:solidFill>
+            </a:endParaRPr>
+          </a:p>
+        </p:txBody>
+      </p:sp>
+    </p:spTree>
+    <p:extLst>
+      <p:ext uri="{BB962C8B-B14F-4D97-AF65-F5344CB8AC3E}">
+        <p14:creationId xmlns:p14="http://schemas.microsoft.com/office/powerpoint/2010/main" val="843707436"/>
+      </p:ext>
+    </p:extLst>
+  </p:cSld>
+  <p:clrMapOvr>
+    <a:masterClrMapping/>
+  </p:clrMapOvr>
+</p:sld>
+</file>
+
+<file path=ppt/slides/slide23.xml><?xml version="1.0" encoding="utf-8"?>
+<p:sld xmlns:a="http://schemas.openxmlformats.org/drawingml/2006/main" xmlns:r="http://schemas.openxmlformats.org/officeDocument/2006/relationships" xmlns:p="http://schemas.openxmlformats.org/presentationml/2006/main">
+  <p:cSld>
+    <p:spTree>
+      <p:nvGrpSpPr>
+        <p:cNvPr id="1" name="">
+          <a:extLst>
+            <a:ext uri="{FF2B5EF4-FFF2-40B4-BE49-F238E27FC236}">
+              <a16:creationId xmlns:a16="http://schemas.microsoft.com/office/drawing/2014/main" id="{4A2C18DC-3924-620C-B2BD-382D1155B294}"/>
+            </a:ext>
+          </a:extLst>
+        </p:cNvPr>
+        <p:cNvGrpSpPr/>
+        <p:nvPr/>
+      </p:nvGrpSpPr>
+      <p:grpSpPr>
+        <a:xfrm>
+          <a:off x="0" y="0"/>
+          <a:ext cx="0" cy="0"/>
+          <a:chOff x="0" y="0"/>
+          <a:chExt cx="0" cy="0"/>
+        </a:xfrm>
+      </p:grpSpPr>
+      <p:pic>
+        <p:nvPicPr>
+          <p:cNvPr id="5" name="Imagen 4">
+            <a:extLst>
+              <a:ext uri="{FF2B5EF4-FFF2-40B4-BE49-F238E27FC236}">
+                <a16:creationId xmlns:a16="http://schemas.microsoft.com/office/drawing/2014/main" id="{2EE73F48-DA97-8667-0330-1AD06609C70A}"/>
+              </a:ext>
+            </a:extLst>
+          </p:cNvPr>
+          <p:cNvPicPr>
+            <a:picLocks noChangeAspect="1"/>
+          </p:cNvPicPr>
+          <p:nvPr/>
+        </p:nvPicPr>
+        <p:blipFill>
+          <a:blip r:embed="rId2">
+            <a:alphaModFix amt="5000"/>
+          </a:blip>
+          <a:stretch>
+            <a:fillRect/>
+          </a:stretch>
+        </p:blipFill>
+        <p:spPr>
+          <a:xfrm>
+            <a:off x="0" y="-16418"/>
+            <a:ext cx="12192000" cy="6874418"/>
+          </a:xfrm>
+          <a:prstGeom prst="rect">
+            <a:avLst/>
+          </a:prstGeom>
+        </p:spPr>
+      </p:pic>
+      <p:sp>
+        <p:nvSpPr>
+          <p:cNvPr id="2" name="Título 1">
+            <a:extLst>
+              <a:ext uri="{FF2B5EF4-FFF2-40B4-BE49-F238E27FC236}">
+                <a16:creationId xmlns:a16="http://schemas.microsoft.com/office/drawing/2014/main" id="{D44FC48B-0FDB-FB1A-9FD2-B20A29EB05A8}"/>
+              </a:ext>
+            </a:extLst>
+          </p:cNvPr>
+          <p:cNvSpPr>
+            <a:spLocks noGrp="1"/>
+          </p:cNvSpPr>
+          <p:nvPr>
+            <p:ph type="title"/>
+          </p:nvPr>
+        </p:nvSpPr>
+        <p:spPr>
+          <a:xfrm>
+            <a:off x="2703576" y="2326876"/>
+            <a:ext cx="5879592" cy="1325563"/>
+          </a:xfrm>
+        </p:spPr>
+        <p:txBody>
+          <a:bodyPr>
+            <a:noAutofit/>
+          </a:bodyPr>
+          <a:lstStyle/>
+          <a:p>
+            <a:r>
+              <a:rPr lang="es-ES" sz="9600" b="1" dirty="0"/>
+              <a:t>G</a:t>
+            </a:r>
+            <a:r>
+              <a:rPr lang="en-US" sz="9600" b="1" dirty="0"/>
+              <a:t>RACIAS</a:t>
+            </a:r>
+          </a:p>
+        </p:txBody>
+      </p:sp>
+      <p:pic>
+        <p:nvPicPr>
+          <p:cNvPr id="4" name="Imagen 3" descr="Logotipo&#10;&#10;Descripción generada automáticamente">
+            <a:extLst>
+              <a:ext uri="{FF2B5EF4-FFF2-40B4-BE49-F238E27FC236}">
+                <a16:creationId xmlns:a16="http://schemas.microsoft.com/office/drawing/2014/main" id="{DEB058E6-F012-5BEB-130D-53B504BB1632}"/>
+              </a:ext>
+            </a:extLst>
+          </p:cNvPr>
+          <p:cNvPicPr>
+            <a:picLocks noChangeAspect="1"/>
+          </p:cNvPicPr>
+          <p:nvPr/>
+        </p:nvPicPr>
+        <p:blipFill>
+          <a:blip r:embed="rId3">
+            <a:extLst>
+              <a:ext uri="{28A0092B-C50C-407E-A947-70E740481C1C}">
+                <a14:useLocalDpi xmlns:a14="http://schemas.microsoft.com/office/drawing/2010/main" val="0"/>
+              </a:ext>
+            </a:extLst>
+          </a:blip>
+          <a:stretch>
+            <a:fillRect/>
+          </a:stretch>
+        </p:blipFill>
+        <p:spPr>
+          <a:xfrm>
+            <a:off x="0" y="5764617"/>
+            <a:ext cx="1735528" cy="1093383"/>
+          </a:xfrm>
+          <a:prstGeom prst="rect">
+            <a:avLst/>
+          </a:prstGeom>
+        </p:spPr>
+      </p:pic>
+      <p:sp>
+        <p:nvSpPr>
+          <p:cNvPr id="6" name="CuadroTexto 5">
+            <a:extLst>
+              <a:ext uri="{FF2B5EF4-FFF2-40B4-BE49-F238E27FC236}">
+                <a16:creationId xmlns:a16="http://schemas.microsoft.com/office/drawing/2014/main" id="{CBCEE3A9-8D6D-3420-2A31-B71F966CAFFC}"/>
+              </a:ext>
+            </a:extLst>
+          </p:cNvPr>
+          <p:cNvSpPr txBox="1"/>
+          <p:nvPr/>
+        </p:nvSpPr>
+        <p:spPr>
+          <a:xfrm>
+            <a:off x="9054058" y="6488668"/>
+            <a:ext cx="3137941" cy="369332"/>
+          </a:xfrm>
+          <a:prstGeom prst="rect">
+            <a:avLst/>
+          </a:prstGeom>
+          <a:noFill/>
+        </p:spPr>
+        <p:txBody>
+          <a:bodyPr wrap="square" rtlCol="0">
+            <a:spAutoFit/>
+          </a:bodyPr>
+          <a:lstStyle/>
+          <a:p>
+            <a:pPr algn="ctr"/>
+            <a:r>
+              <a:rPr lang="es-ES" dirty="0">
+                <a:solidFill>
+                  <a:schemeClr val="tx2">
+                    <a:lumMod val="75000"/>
+                    <a:lumOff val="25000"/>
+                  </a:schemeClr>
+                </a:solidFill>
+              </a:rPr>
+              <a:t>Fundamentos de </a:t>
+            </a:r>
+            <a:r>
+              <a:rPr lang="es-ES" dirty="0" err="1">
+                <a:solidFill>
+                  <a:schemeClr val="tx2">
+                    <a:lumMod val="75000"/>
+                    <a:lumOff val="25000"/>
+                  </a:schemeClr>
+                </a:solidFill>
+              </a:rPr>
+              <a:t>React</a:t>
+            </a:r>
+            <a:endParaRPr lang="es-ES" dirty="0">
+              <a:solidFill>
+                <a:schemeClr val="tx2">
+                  <a:lumMod val="75000"/>
+                  <a:lumOff val="25000"/>
+                </a:schemeClr>
+              </a:solidFill>
+            </a:endParaRPr>
+          </a:p>
+        </p:txBody>
+      </p:sp>
+    </p:spTree>
+    <p:extLst>
+      <p:ext uri="{BB962C8B-B14F-4D97-AF65-F5344CB8AC3E}">
+        <p14:creationId xmlns:p14="http://schemas.microsoft.com/office/powerpoint/2010/main" val="1856096924"/>
       </p:ext>
     </p:extLst>
   </p:cSld>
